--- a/presentation/Slides/Ruby Presentation.pptx
+++ b/presentation/Slides/Ruby Presentation.pptx
@@ -9744,7 +9744,7 @@
         </p:spPr>
         <p:txBody>
           <a:bodyPr anchorCtr="0" anchor="t" bIns="91425" lIns="91425" spcFirstLastPara="1" rIns="91425" wrap="square" tIns="91425">
-            <a:normAutofit fontScale="92500" lnSpcReduction="20000"/>
+            <a:normAutofit fontScale="92500" lnSpcReduction="10000"/>
           </a:bodyPr>
           <a:lstStyle/>
           <a:p>
@@ -9939,22 +9939,6 @@
             <a:r>
               <a:rPr lang="en"/>
               <a:t>Supports procedural programming</a:t>
-            </a:r>
-            <a:endParaRPr/>
-          </a:p>
-          <a:p>
-            <a:pPr indent="-304958" lvl="0" marL="457200" rtl="0" algn="l">
-              <a:spcBef>
-                <a:spcPts val="0"/>
-              </a:spcBef>
-              <a:spcAft>
-                <a:spcPts val="0"/>
-              </a:spcAft>
-              <a:buSzPct val="100000"/>
-              <a:buChar char="-"/>
-            </a:pPr>
-            <a:r>
-              <a:t/>
             </a:r>
             <a:endParaRPr/>
           </a:p>
